--- a/151009ベクトルタイル利用サイトを作ろうPt.5.pptx
+++ b/151009ベクトルタイル利用サイトを作ろうPt.5.pptx
@@ -5,14 +5,20 @@
     <p:sldMasterId id="2147483663" r:id="rId1"/>
   </p:sldMasterIdLst>
   <p:notesMasterIdLst>
-    <p:notesMasterId r:id="rId4"/>
+    <p:notesMasterId r:id="rId10"/>
   </p:notesMasterIdLst>
   <p:handoutMasterIdLst>
-    <p:handoutMasterId r:id="rId5"/>
+    <p:handoutMasterId r:id="rId11"/>
   </p:handoutMasterIdLst>
   <p:sldIdLst>
     <p:sldId id="256" r:id="rId2"/>
     <p:sldId id="257" r:id="rId3"/>
+    <p:sldId id="262" r:id="rId4"/>
+    <p:sldId id="258" r:id="rId5"/>
+    <p:sldId id="259" r:id="rId6"/>
+    <p:sldId id="260" r:id="rId7"/>
+    <p:sldId id="261" r:id="rId8"/>
+    <p:sldId id="263" r:id="rId9"/>
   </p:sldIdLst>
   <p:sldSz cx="9144000" cy="6858000" type="screen4x3"/>
   <p:notesSz cx="6805613" cy="9939338"/>
@@ -5818,6 +5824,1529 @@
       </p:par>
     </p:tnLst>
   </p:timing>
+</p:sld>
+</file>
+
+<file path=ppt/slides/slide3.xml><?xml version="1.0" encoding="utf-8"?>
+<p:sld xmlns:a="http://schemas.openxmlformats.org/drawingml/2006/main" xmlns:r="http://schemas.openxmlformats.org/officeDocument/2006/relationships" xmlns:p="http://schemas.openxmlformats.org/presentationml/2006/main">
+  <p:cSld>
+    <p:spTree>
+      <p:nvGrpSpPr>
+        <p:cNvPr id="1" name=""/>
+        <p:cNvGrpSpPr/>
+        <p:nvPr/>
+      </p:nvGrpSpPr>
+      <p:grpSpPr>
+        <a:xfrm>
+          <a:off x="0" y="0"/>
+          <a:ext cx="0" cy="0"/>
+          <a:chOff x="0" y="0"/>
+          <a:chExt cx="0" cy="0"/>
+        </a:xfrm>
+      </p:grpSpPr>
+      <p:sp>
+        <p:nvSpPr>
+          <p:cNvPr id="2" name="タイトル 1"/>
+          <p:cNvSpPr>
+            <a:spLocks noGrp="1"/>
+          </p:cNvSpPr>
+          <p:nvPr>
+            <p:ph type="title"/>
+          </p:nvPr>
+        </p:nvSpPr>
+        <p:spPr/>
+        <p:txBody>
+          <a:bodyPr/>
+          <a:lstStyle/>
+          <a:p>
+            <a:r>
+              <a:rPr kumimoji="1" lang="ja-JP" altLang="en-US" dirty="0" smtClean="0"/>
+              <a:t>本パートの狙い</a:t>
+            </a:r>
+            <a:endParaRPr kumimoji="1" lang="ja-JP" altLang="en-US" dirty="0"/>
+          </a:p>
+        </p:txBody>
+      </p:sp>
+      <p:sp>
+        <p:nvSpPr>
+          <p:cNvPr id="3" name="コンテンツ プレースホルダー 2"/>
+          <p:cNvSpPr>
+            <a:spLocks noGrp="1"/>
+          </p:cNvSpPr>
+          <p:nvPr>
+            <p:ph idx="1"/>
+          </p:nvPr>
+        </p:nvSpPr>
+        <p:spPr/>
+        <p:txBody>
+          <a:bodyPr/>
+          <a:lstStyle/>
+          <a:p>
+            <a:pPr marL="0" indent="0">
+              <a:buNone/>
+            </a:pPr>
+            <a:r>
+              <a:rPr lang="en-US" altLang="ja-JP" dirty="0" err="1" smtClean="0"/>
+              <a:t>gsimaps</a:t>
+            </a:r>
+            <a:r>
+              <a:rPr lang="en-US" altLang="ja-JP" dirty="0" smtClean="0"/>
+              <a:t> </a:t>
+            </a:r>
+            <a:r>
+              <a:rPr lang="ja-JP" altLang="en-US" dirty="0" smtClean="0"/>
+              <a:t>のシェルなしに地理院ベクトルタイルを直接</a:t>
+            </a:r>
+            <a:r>
+              <a:rPr lang="en-US" altLang="ja-JP" dirty="0" smtClean="0"/>
+              <a:t>Leaflet</a:t>
+            </a:r>
+            <a:r>
+              <a:rPr lang="ja-JP" altLang="en-US" dirty="0" smtClean="0"/>
+              <a:t>で触っていただくことで、</a:t>
+            </a:r>
+            <a:endParaRPr lang="en-US" altLang="ja-JP" dirty="0" smtClean="0"/>
+          </a:p>
+          <a:p>
+            <a:pPr lvl="1"/>
+            <a:r>
+              <a:rPr kumimoji="1" lang="ja-JP" altLang="en-US" dirty="0" smtClean="0"/>
+              <a:t>ベクトルタイルの処理に親しんで頂く</a:t>
+            </a:r>
+            <a:endParaRPr kumimoji="1" lang="en-US" altLang="ja-JP" dirty="0" smtClean="0"/>
+          </a:p>
+          <a:p>
+            <a:pPr lvl="1"/>
+            <a:r>
+              <a:rPr lang="ja-JP" altLang="en-US" dirty="0" smtClean="0"/>
+              <a:t>ベクトルタイルの表示カスタマイズや処理の可能性に触れて頂く</a:t>
+            </a:r>
+            <a:endParaRPr lang="en-US" altLang="ja-JP" dirty="0" smtClean="0"/>
+          </a:p>
+          <a:p>
+            <a:pPr lvl="2"/>
+            <a:r>
+              <a:rPr lang="en-US" altLang="ja-JP" dirty="0" err="1" smtClean="0"/>
+              <a:t>g</a:t>
+            </a:r>
+            <a:r>
+              <a:rPr kumimoji="1" lang="en-US" altLang="ja-JP" dirty="0" err="1" smtClean="0"/>
+              <a:t>simaps</a:t>
+            </a:r>
+            <a:r>
+              <a:rPr kumimoji="1" lang="ja-JP" altLang="en-US" dirty="0" smtClean="0"/>
+              <a:t>は、整い終わった</a:t>
+            </a:r>
+            <a:r>
+              <a:rPr kumimoji="1" lang="en-US" altLang="ja-JP" dirty="0" err="1" smtClean="0"/>
+              <a:t>style.js</a:t>
+            </a:r>
+            <a:r>
+              <a:rPr kumimoji="1" lang="ja-JP" altLang="en-US" dirty="0" smtClean="0"/>
+              <a:t>をベースに地図に触れて頂くショーケースとして設計されており、表示カスタマイズや処理への対応は今のところ組み込まれていない。</a:t>
+            </a:r>
+            <a:endParaRPr kumimoji="1" lang="ja-JP" altLang="en-US" dirty="0"/>
+          </a:p>
+        </p:txBody>
+      </p:sp>
+      <p:sp>
+        <p:nvSpPr>
+          <p:cNvPr id="4" name="スライド番号プレースホルダー 3"/>
+          <p:cNvSpPr>
+            <a:spLocks noGrp="1"/>
+          </p:cNvSpPr>
+          <p:nvPr>
+            <p:ph type="sldNum" sz="quarter" idx="12"/>
+          </p:nvPr>
+        </p:nvSpPr>
+        <p:spPr/>
+        <p:txBody>
+          <a:bodyPr/>
+          <a:lstStyle/>
+          <a:p>
+            <a:pPr>
+              <a:defRPr/>
+            </a:pPr>
+            <a:fld id="{7BDE7F79-B788-EF47-92C0-E4468BC66B4F}" type="slidenum">
+              <a:rPr lang="en-US" altLang="ja-JP" smtClean="0"/>
+              <a:pPr>
+                <a:defRPr/>
+              </a:pPr>
+              <a:t>3</a:t>
+            </a:fld>
+            <a:endParaRPr lang="en-US" altLang="ja-JP"/>
+          </a:p>
+        </p:txBody>
+      </p:sp>
+    </p:spTree>
+    <p:extLst>
+      <p:ext uri="{BB962C8B-B14F-4D97-AF65-F5344CB8AC3E}">
+        <p14:creationId xmlns:p14="http://schemas.microsoft.com/office/powerpoint/2010/main" val="712923815"/>
+      </p:ext>
+    </p:extLst>
+  </p:cSld>
+  <p:clrMapOvr>
+    <a:masterClrMapping/>
+  </p:clrMapOvr>
+</p:sld>
+</file>
+
+<file path=ppt/slides/slide4.xml><?xml version="1.0" encoding="utf-8"?>
+<p:sld xmlns:a="http://schemas.openxmlformats.org/drawingml/2006/main" xmlns:r="http://schemas.openxmlformats.org/officeDocument/2006/relationships" xmlns:p="http://schemas.openxmlformats.org/presentationml/2006/main">
+  <p:cSld>
+    <p:spTree>
+      <p:nvGrpSpPr>
+        <p:cNvPr id="1" name=""/>
+        <p:cNvGrpSpPr/>
+        <p:nvPr/>
+      </p:nvGrpSpPr>
+      <p:grpSpPr>
+        <a:xfrm>
+          <a:off x="0" y="0"/>
+          <a:ext cx="0" cy="0"/>
+          <a:chOff x="0" y="0"/>
+          <a:chExt cx="0" cy="0"/>
+        </a:xfrm>
+      </p:grpSpPr>
+      <p:sp>
+        <p:nvSpPr>
+          <p:cNvPr id="2" name="タイトル 1"/>
+          <p:cNvSpPr>
+            <a:spLocks noGrp="1"/>
+          </p:cNvSpPr>
+          <p:nvPr>
+            <p:ph type="title"/>
+          </p:nvPr>
+        </p:nvSpPr>
+        <p:spPr/>
+        <p:txBody>
+          <a:bodyPr/>
+          <a:lstStyle/>
+          <a:p>
+            <a:r>
+              <a:rPr kumimoji="1" lang="ja-JP" altLang="en-US" dirty="0" smtClean="0"/>
+              <a:t>地理院ベクトルタイル</a:t>
+            </a:r>
+            <a:endParaRPr kumimoji="1" lang="ja-JP" altLang="en-US" dirty="0"/>
+          </a:p>
+        </p:txBody>
+      </p:sp>
+      <p:sp>
+        <p:nvSpPr>
+          <p:cNvPr id="3" name="コンテンツ プレースホルダー 2"/>
+          <p:cNvSpPr>
+            <a:spLocks noGrp="1"/>
+          </p:cNvSpPr>
+          <p:nvPr>
+            <p:ph idx="1"/>
+          </p:nvPr>
+        </p:nvSpPr>
+        <p:spPr>
+          <a:xfrm>
+            <a:off x="0" y="620689"/>
+            <a:ext cx="9144000" cy="720080"/>
+          </a:xfrm>
+        </p:spPr>
+        <p:txBody>
+          <a:bodyPr/>
+          <a:lstStyle/>
+          <a:p>
+            <a:pPr marL="0" indent="0">
+              <a:buNone/>
+            </a:pPr>
+            <a:r>
+              <a:rPr lang="en-US" altLang="ja-JP" sz="2800" dirty="0"/>
+              <a:t>https://</a:t>
+            </a:r>
+            <a:r>
+              <a:rPr lang="en-US" altLang="ja-JP" sz="2800" dirty="0" err="1"/>
+              <a:t>github.com</a:t>
+            </a:r>
+            <a:r>
+              <a:rPr lang="en-US" altLang="ja-JP" sz="2800" dirty="0"/>
+              <a:t>/</a:t>
+            </a:r>
+            <a:r>
+              <a:rPr lang="en-US" altLang="ja-JP" sz="2800" dirty="0" err="1"/>
+              <a:t>gsi-cyberjapan</a:t>
+            </a:r>
+            <a:r>
+              <a:rPr lang="en-US" altLang="ja-JP" sz="2800" dirty="0"/>
+              <a:t>/vector-tile-experiment/</a:t>
+            </a:r>
+            <a:endParaRPr kumimoji="1" lang="ja-JP" altLang="en-US" sz="2800" dirty="0"/>
+          </a:p>
+        </p:txBody>
+      </p:sp>
+      <p:sp>
+        <p:nvSpPr>
+          <p:cNvPr id="4" name="スライド番号プレースホルダー 3"/>
+          <p:cNvSpPr>
+            <a:spLocks noGrp="1"/>
+          </p:cNvSpPr>
+          <p:nvPr>
+            <p:ph type="sldNum" sz="quarter" idx="12"/>
+          </p:nvPr>
+        </p:nvSpPr>
+        <p:spPr/>
+        <p:txBody>
+          <a:bodyPr/>
+          <a:lstStyle/>
+          <a:p>
+            <a:pPr>
+              <a:defRPr/>
+            </a:pPr>
+            <a:fld id="{7BDE7F79-B788-EF47-92C0-E4468BC66B4F}" type="slidenum">
+              <a:rPr lang="en-US" altLang="ja-JP" smtClean="0"/>
+              <a:pPr>
+                <a:defRPr/>
+              </a:pPr>
+              <a:t>4</a:t>
+            </a:fld>
+            <a:endParaRPr lang="en-US" altLang="ja-JP"/>
+          </a:p>
+        </p:txBody>
+      </p:sp>
+      <p:pic>
+        <p:nvPicPr>
+          <p:cNvPr id="5" name="図 4"/>
+          <p:cNvPicPr>
+            <a:picLocks noChangeAspect="1"/>
+          </p:cNvPicPr>
+          <p:nvPr/>
+        </p:nvPicPr>
+        <p:blipFill>
+          <a:blip r:embed="rId2"/>
+          <a:stretch>
+            <a:fillRect/>
+          </a:stretch>
+        </p:blipFill>
+        <p:spPr>
+          <a:xfrm>
+            <a:off x="467543" y="1340768"/>
+            <a:ext cx="8207463" cy="5256584"/>
+          </a:xfrm>
+          <a:prstGeom prst="rect">
+            <a:avLst/>
+          </a:prstGeom>
+          <a:ln>
+            <a:solidFill>
+              <a:schemeClr val="tx1"/>
+            </a:solidFill>
+          </a:ln>
+        </p:spPr>
+      </p:pic>
+    </p:spTree>
+    <p:extLst>
+      <p:ext uri="{BB962C8B-B14F-4D97-AF65-F5344CB8AC3E}">
+        <p14:creationId xmlns:p14="http://schemas.microsoft.com/office/powerpoint/2010/main" val="3844696531"/>
+      </p:ext>
+    </p:extLst>
+  </p:cSld>
+  <p:clrMapOvr>
+    <a:masterClrMapping/>
+  </p:clrMapOvr>
+  <p:timing>
+    <p:tnLst>
+      <p:par>
+        <p:cTn xmlns:p14="http://schemas.microsoft.com/office/powerpoint/2010/main" id="1" dur="indefinite" restart="never" nodeType="tmRoot"/>
+      </p:par>
+    </p:tnLst>
+  </p:timing>
+</p:sld>
+</file>
+
+<file path=ppt/slides/slide5.xml><?xml version="1.0" encoding="utf-8"?>
+<p:sld xmlns:a="http://schemas.openxmlformats.org/drawingml/2006/main" xmlns:r="http://schemas.openxmlformats.org/officeDocument/2006/relationships" xmlns:p="http://schemas.openxmlformats.org/presentationml/2006/main">
+  <p:cSld>
+    <p:spTree>
+      <p:nvGrpSpPr>
+        <p:cNvPr id="1" name=""/>
+        <p:cNvGrpSpPr/>
+        <p:nvPr/>
+      </p:nvGrpSpPr>
+      <p:grpSpPr>
+        <a:xfrm>
+          <a:off x="0" y="0"/>
+          <a:ext cx="0" cy="0"/>
+          <a:chOff x="0" y="0"/>
+          <a:chExt cx="0" cy="0"/>
+        </a:xfrm>
+      </p:grpSpPr>
+      <p:sp>
+        <p:nvSpPr>
+          <p:cNvPr id="2" name="タイトル 1"/>
+          <p:cNvSpPr>
+            <a:spLocks noGrp="1"/>
+          </p:cNvSpPr>
+          <p:nvPr>
+            <p:ph type="title"/>
+          </p:nvPr>
+        </p:nvSpPr>
+        <p:spPr/>
+        <p:txBody>
+          <a:bodyPr/>
+          <a:lstStyle/>
+          <a:p>
+            <a:r>
+              <a:rPr kumimoji="1" lang="ja-JP" altLang="en-US" dirty="0" smtClean="0"/>
+              <a:t>今回は、こちら</a:t>
+            </a:r>
+            <a:r>
+              <a:rPr lang="ja-JP" altLang="en-US" dirty="0" smtClean="0"/>
+              <a:t>、</a:t>
+            </a:r>
+            <a:r>
+              <a:rPr lang="en-US" altLang="ja-JP" dirty="0"/>
+              <a:t> </a:t>
+            </a:r>
+            <a:r>
+              <a:rPr lang="en-US" altLang="ja-JP" dirty="0" err="1" smtClean="0"/>
+              <a:t>canvas.html</a:t>
+            </a:r>
+            <a:r>
+              <a:rPr lang="en-US" altLang="ja-JP" dirty="0" smtClean="0"/>
+              <a:t> </a:t>
+            </a:r>
+            <a:r>
+              <a:rPr lang="ja-JP" altLang="en-US" dirty="0" smtClean="0"/>
+              <a:t>を</a:t>
+            </a:r>
+            <a:r>
+              <a:rPr kumimoji="1" lang="ja-JP" altLang="en-US" dirty="0" smtClean="0"/>
+              <a:t>フォークします</a:t>
+            </a:r>
+            <a:endParaRPr kumimoji="1" lang="ja-JP" altLang="en-US" dirty="0"/>
+          </a:p>
+        </p:txBody>
+      </p:sp>
+      <p:sp>
+        <p:nvSpPr>
+          <p:cNvPr id="3" name="スライド番号プレースホルダー 2"/>
+          <p:cNvSpPr>
+            <a:spLocks noGrp="1"/>
+          </p:cNvSpPr>
+          <p:nvPr>
+            <p:ph type="sldNum" sz="quarter" idx="12"/>
+          </p:nvPr>
+        </p:nvSpPr>
+        <p:spPr/>
+        <p:txBody>
+          <a:bodyPr/>
+          <a:lstStyle/>
+          <a:p>
+            <a:pPr>
+              <a:defRPr/>
+            </a:pPr>
+            <a:fld id="{EBCAB9D2-232D-0343-84CF-518136E6AB70}" type="slidenum">
+              <a:rPr lang="en-US" altLang="ja-JP" smtClean="0"/>
+              <a:pPr>
+                <a:defRPr/>
+              </a:pPr>
+              <a:t>5</a:t>
+            </a:fld>
+            <a:endParaRPr lang="en-US" altLang="ja-JP"/>
+          </a:p>
+        </p:txBody>
+      </p:sp>
+      <p:pic>
+        <p:nvPicPr>
+          <p:cNvPr id="4" name="図 3"/>
+          <p:cNvPicPr>
+            <a:picLocks noChangeAspect="1"/>
+          </p:cNvPicPr>
+          <p:nvPr/>
+        </p:nvPicPr>
+        <p:blipFill>
+          <a:blip r:embed="rId2"/>
+          <a:stretch>
+            <a:fillRect/>
+          </a:stretch>
+        </p:blipFill>
+        <p:spPr>
+          <a:xfrm>
+            <a:off x="467544" y="692696"/>
+            <a:ext cx="8074407" cy="6048672"/>
+          </a:xfrm>
+          <a:prstGeom prst="rect">
+            <a:avLst/>
+          </a:prstGeom>
+          <a:ln>
+            <a:solidFill>
+              <a:schemeClr val="tx1"/>
+            </a:solidFill>
+          </a:ln>
+        </p:spPr>
+      </p:pic>
+    </p:spTree>
+    <p:extLst>
+      <p:ext uri="{BB962C8B-B14F-4D97-AF65-F5344CB8AC3E}">
+        <p14:creationId xmlns:p14="http://schemas.microsoft.com/office/powerpoint/2010/main" val="1103978942"/>
+      </p:ext>
+    </p:extLst>
+  </p:cSld>
+  <p:clrMapOvr>
+    <a:masterClrMapping/>
+  </p:clrMapOvr>
+  <p:timing>
+    <p:tnLst>
+      <p:par>
+        <p:cTn xmlns:p14="http://schemas.microsoft.com/office/powerpoint/2010/main" id="1" dur="indefinite" restart="never" nodeType="tmRoot"/>
+      </p:par>
+    </p:tnLst>
+  </p:timing>
+</p:sld>
+</file>
+
+<file path=ppt/slides/slide6.xml><?xml version="1.0" encoding="utf-8"?>
+<p:sld xmlns:a="http://schemas.openxmlformats.org/drawingml/2006/main" xmlns:r="http://schemas.openxmlformats.org/officeDocument/2006/relationships" xmlns:p="http://schemas.openxmlformats.org/presentationml/2006/main">
+  <p:cSld>
+    <p:spTree>
+      <p:nvGrpSpPr>
+        <p:cNvPr id="1" name=""/>
+        <p:cNvGrpSpPr/>
+        <p:nvPr/>
+      </p:nvGrpSpPr>
+      <p:grpSpPr>
+        <a:xfrm>
+          <a:off x="0" y="0"/>
+          <a:ext cx="0" cy="0"/>
+          <a:chOff x="0" y="0"/>
+          <a:chExt cx="0" cy="0"/>
+        </a:xfrm>
+      </p:grpSpPr>
+      <p:sp>
+        <p:nvSpPr>
+          <p:cNvPr id="2" name="タイトル 1"/>
+          <p:cNvSpPr>
+            <a:spLocks noGrp="1"/>
+          </p:cNvSpPr>
+          <p:nvPr>
+            <p:ph type="title"/>
+          </p:nvPr>
+        </p:nvSpPr>
+        <p:spPr/>
+        <p:txBody>
+          <a:bodyPr/>
+          <a:lstStyle/>
+          <a:p>
+            <a:r>
+              <a:rPr lang="en-US" altLang="ja-JP" dirty="0" err="1" smtClean="0"/>
+              <a:t>c</a:t>
+            </a:r>
+            <a:r>
+              <a:rPr kumimoji="1" lang="en-US" altLang="ja-JP" dirty="0" err="1" smtClean="0"/>
+              <a:t>anvas.html</a:t>
+            </a:r>
+            <a:r>
+              <a:rPr kumimoji="1" lang="en-US" altLang="ja-JP" dirty="0" smtClean="0"/>
+              <a:t> </a:t>
+            </a:r>
+            <a:r>
+              <a:rPr kumimoji="1" lang="ja-JP" altLang="en-US" dirty="0" smtClean="0"/>
+              <a:t>の構造（イメージ）</a:t>
+            </a:r>
+            <a:endParaRPr kumimoji="1" lang="ja-JP" altLang="en-US" dirty="0"/>
+          </a:p>
+        </p:txBody>
+      </p:sp>
+      <p:sp>
+        <p:nvSpPr>
+          <p:cNvPr id="3" name="スライド番号プレースホルダー 2"/>
+          <p:cNvSpPr>
+            <a:spLocks noGrp="1"/>
+          </p:cNvSpPr>
+          <p:nvPr>
+            <p:ph type="sldNum" sz="quarter" idx="12"/>
+          </p:nvPr>
+        </p:nvSpPr>
+        <p:spPr/>
+        <p:txBody>
+          <a:bodyPr/>
+          <a:lstStyle/>
+          <a:p>
+            <a:pPr>
+              <a:defRPr/>
+            </a:pPr>
+            <a:fld id="{EBCAB9D2-232D-0343-84CF-518136E6AB70}" type="slidenum">
+              <a:rPr lang="en-US" altLang="ja-JP" smtClean="0"/>
+              <a:pPr>
+                <a:defRPr/>
+              </a:pPr>
+              <a:t>6</a:t>
+            </a:fld>
+            <a:endParaRPr lang="en-US" altLang="ja-JP"/>
+          </a:p>
+        </p:txBody>
+      </p:sp>
+      <p:sp>
+        <p:nvSpPr>
+          <p:cNvPr id="4" name="正方形/長方形 3"/>
+          <p:cNvSpPr/>
+          <p:nvPr/>
+        </p:nvSpPr>
+        <p:spPr>
+          <a:xfrm>
+            <a:off x="395536" y="4797152"/>
+            <a:ext cx="8424936" cy="1584176"/>
+          </a:xfrm>
+          <a:prstGeom prst="rect">
+            <a:avLst/>
+          </a:prstGeom>
+          <a:solidFill>
+            <a:schemeClr val="bg1"/>
+          </a:solidFill>
+          <a:ln>
+            <a:solidFill>
+              <a:schemeClr val="tx1"/>
+            </a:solidFill>
+          </a:ln>
+          <a:effectLst/>
+        </p:spPr>
+        <p:style>
+          <a:lnRef idx="1">
+            <a:schemeClr val="accent1"/>
+          </a:lnRef>
+          <a:fillRef idx="3">
+            <a:schemeClr val="accent1"/>
+          </a:fillRef>
+          <a:effectRef idx="2">
+            <a:schemeClr val="accent1"/>
+          </a:effectRef>
+          <a:fontRef idx="minor">
+            <a:schemeClr val="lt1"/>
+          </a:fontRef>
+        </p:style>
+        <p:txBody>
+          <a:bodyPr rtlCol="0" anchor="ctr"/>
+          <a:lstStyle/>
+          <a:p>
+            <a:pPr algn="ctr"/>
+            <a:endParaRPr kumimoji="1" lang="en-US" altLang="ja-JP" dirty="0" smtClean="0">
+              <a:solidFill>
+                <a:schemeClr val="tx1"/>
+              </a:solidFill>
+            </a:endParaRPr>
+          </a:p>
+          <a:p>
+            <a:pPr algn="ctr"/>
+            <a:endParaRPr lang="en-US" altLang="ja-JP" dirty="0">
+              <a:solidFill>
+                <a:schemeClr val="tx1"/>
+              </a:solidFill>
+            </a:endParaRPr>
+          </a:p>
+          <a:p>
+            <a:pPr algn="ctr"/>
+            <a:r>
+              <a:rPr kumimoji="1" lang="ja-JP" altLang="en-US" dirty="0" smtClean="0">
+                <a:solidFill>
+                  <a:schemeClr val="tx1"/>
+                </a:solidFill>
+              </a:rPr>
+              <a:t>ウェブブラウザ</a:t>
+            </a:r>
+            <a:endParaRPr kumimoji="1" lang="en-US" altLang="ja-JP" dirty="0" smtClean="0">
+              <a:solidFill>
+                <a:schemeClr val="tx1"/>
+              </a:solidFill>
+            </a:endParaRPr>
+          </a:p>
+        </p:txBody>
+      </p:sp>
+      <p:sp>
+        <p:nvSpPr>
+          <p:cNvPr id="5" name="円/楕円 4"/>
+          <p:cNvSpPr/>
+          <p:nvPr/>
+        </p:nvSpPr>
+        <p:spPr>
+          <a:xfrm>
+            <a:off x="1331640" y="4941168"/>
+            <a:ext cx="2088232" cy="720080"/>
+          </a:xfrm>
+          <a:prstGeom prst="ellipse">
+            <a:avLst/>
+          </a:prstGeom>
+          <a:solidFill>
+            <a:schemeClr val="bg1"/>
+          </a:solidFill>
+          <a:ln>
+            <a:solidFill>
+              <a:schemeClr val="tx1"/>
+            </a:solidFill>
+          </a:ln>
+          <a:effectLst/>
+        </p:spPr>
+        <p:style>
+          <a:lnRef idx="1">
+            <a:schemeClr val="accent1"/>
+          </a:lnRef>
+          <a:fillRef idx="3">
+            <a:schemeClr val="accent1"/>
+          </a:fillRef>
+          <a:effectRef idx="2">
+            <a:schemeClr val="accent1"/>
+          </a:effectRef>
+          <a:fontRef idx="minor">
+            <a:schemeClr val="lt1"/>
+          </a:fontRef>
+        </p:style>
+        <p:txBody>
+          <a:bodyPr rtlCol="0" anchor="ctr"/>
+          <a:lstStyle/>
+          <a:p>
+            <a:pPr algn="ctr"/>
+            <a:r>
+              <a:rPr kumimoji="1" lang="en-US" altLang="ja-JP" dirty="0" smtClean="0">
+                <a:solidFill>
+                  <a:srgbClr val="000000"/>
+                </a:solidFill>
+              </a:rPr>
+              <a:t>SVG </a:t>
+            </a:r>
+          </a:p>
+          <a:p>
+            <a:pPr algn="ctr"/>
+            <a:r>
+              <a:rPr kumimoji="1" lang="en-US" altLang="ja-JP" dirty="0" smtClean="0">
+                <a:solidFill>
+                  <a:srgbClr val="000000"/>
+                </a:solidFill>
+              </a:rPr>
+              <a:t>engine</a:t>
+            </a:r>
+            <a:endParaRPr kumimoji="1" lang="ja-JP" altLang="en-US" dirty="0">
+              <a:solidFill>
+                <a:srgbClr val="000000"/>
+              </a:solidFill>
+            </a:endParaRPr>
+          </a:p>
+        </p:txBody>
+      </p:sp>
+      <p:sp>
+        <p:nvSpPr>
+          <p:cNvPr id="6" name="円/楕円 5"/>
+          <p:cNvSpPr/>
+          <p:nvPr/>
+        </p:nvSpPr>
+        <p:spPr>
+          <a:xfrm>
+            <a:off x="5508104" y="4941168"/>
+            <a:ext cx="2088232" cy="720080"/>
+          </a:xfrm>
+          <a:prstGeom prst="ellipse">
+            <a:avLst/>
+          </a:prstGeom>
+          <a:solidFill>
+            <a:schemeClr val="bg1"/>
+          </a:solidFill>
+          <a:ln>
+            <a:solidFill>
+              <a:schemeClr val="tx1"/>
+            </a:solidFill>
+          </a:ln>
+          <a:effectLst/>
+        </p:spPr>
+        <p:style>
+          <a:lnRef idx="1">
+            <a:schemeClr val="accent1"/>
+          </a:lnRef>
+          <a:fillRef idx="3">
+            <a:schemeClr val="accent1"/>
+          </a:fillRef>
+          <a:effectRef idx="2">
+            <a:schemeClr val="accent1"/>
+          </a:effectRef>
+          <a:fontRef idx="minor">
+            <a:schemeClr val="lt1"/>
+          </a:fontRef>
+        </p:style>
+        <p:txBody>
+          <a:bodyPr rtlCol="0" anchor="ctr"/>
+          <a:lstStyle/>
+          <a:p>
+            <a:pPr algn="ctr"/>
+            <a:r>
+              <a:rPr lang="en-US" altLang="ja-JP" dirty="0" smtClean="0">
+                <a:solidFill>
+                  <a:srgbClr val="000000"/>
+                </a:solidFill>
+              </a:rPr>
+              <a:t>Canvas</a:t>
+            </a:r>
+            <a:r>
+              <a:rPr kumimoji="1" lang="en-US" altLang="ja-JP" dirty="0" smtClean="0">
+                <a:solidFill>
+                  <a:srgbClr val="000000"/>
+                </a:solidFill>
+              </a:rPr>
+              <a:t> engine</a:t>
+            </a:r>
+            <a:endParaRPr kumimoji="1" lang="ja-JP" altLang="en-US" dirty="0">
+              <a:solidFill>
+                <a:srgbClr val="000000"/>
+              </a:solidFill>
+            </a:endParaRPr>
+          </a:p>
+        </p:txBody>
+      </p:sp>
+      <p:sp>
+        <p:nvSpPr>
+          <p:cNvPr id="7" name="正方形/長方形 6"/>
+          <p:cNvSpPr/>
+          <p:nvPr/>
+        </p:nvSpPr>
+        <p:spPr>
+          <a:xfrm>
+            <a:off x="395536" y="3429000"/>
+            <a:ext cx="8424936" cy="1368152"/>
+          </a:xfrm>
+          <a:prstGeom prst="rect">
+            <a:avLst/>
+          </a:prstGeom>
+          <a:solidFill>
+            <a:schemeClr val="bg1"/>
+          </a:solidFill>
+          <a:ln>
+            <a:solidFill>
+              <a:schemeClr val="tx1"/>
+            </a:solidFill>
+          </a:ln>
+          <a:effectLst/>
+        </p:spPr>
+        <p:style>
+          <a:lnRef idx="1">
+            <a:schemeClr val="accent1"/>
+          </a:lnRef>
+          <a:fillRef idx="3">
+            <a:schemeClr val="accent1"/>
+          </a:fillRef>
+          <a:effectRef idx="2">
+            <a:schemeClr val="accent1"/>
+          </a:effectRef>
+          <a:fontRef idx="minor">
+            <a:schemeClr val="lt1"/>
+          </a:fontRef>
+        </p:style>
+        <p:txBody>
+          <a:bodyPr rtlCol="0" anchor="ctr"/>
+          <a:lstStyle/>
+          <a:p>
+            <a:pPr algn="ctr"/>
+            <a:endParaRPr kumimoji="1" lang="en-US" altLang="ja-JP" dirty="0" smtClean="0">
+              <a:solidFill>
+                <a:schemeClr val="tx1"/>
+              </a:solidFill>
+            </a:endParaRPr>
+          </a:p>
+          <a:p>
+            <a:pPr algn="ctr"/>
+            <a:endParaRPr lang="en-US" altLang="ja-JP" dirty="0">
+              <a:solidFill>
+                <a:schemeClr val="tx1"/>
+              </a:solidFill>
+            </a:endParaRPr>
+          </a:p>
+          <a:p>
+            <a:pPr algn="ctr"/>
+            <a:r>
+              <a:rPr kumimoji="1" lang="en-US" altLang="ja-JP" dirty="0" smtClean="0">
+                <a:solidFill>
+                  <a:schemeClr val="tx1"/>
+                </a:solidFill>
+              </a:rPr>
+              <a:t>Leaflet 0.7.3</a:t>
+            </a:r>
+          </a:p>
+        </p:txBody>
+      </p:sp>
+      <p:sp>
+        <p:nvSpPr>
+          <p:cNvPr id="8" name="正方形/長方形 7"/>
+          <p:cNvSpPr/>
+          <p:nvPr/>
+        </p:nvSpPr>
+        <p:spPr>
+          <a:xfrm>
+            <a:off x="5436096" y="3429000"/>
+            <a:ext cx="2088232" cy="720080"/>
+          </a:xfrm>
+          <a:prstGeom prst="rect">
+            <a:avLst/>
+          </a:prstGeom>
+          <a:solidFill>
+            <a:schemeClr val="bg1"/>
+          </a:solidFill>
+          <a:ln>
+            <a:solidFill>
+              <a:schemeClr val="tx1"/>
+            </a:solidFill>
+          </a:ln>
+          <a:effectLst/>
+        </p:spPr>
+        <p:style>
+          <a:lnRef idx="1">
+            <a:schemeClr val="accent1"/>
+          </a:lnRef>
+          <a:fillRef idx="3">
+            <a:schemeClr val="accent1"/>
+          </a:fillRef>
+          <a:effectRef idx="2">
+            <a:schemeClr val="accent1"/>
+          </a:effectRef>
+          <a:fontRef idx="minor">
+            <a:schemeClr val="lt1"/>
+          </a:fontRef>
+        </p:style>
+        <p:txBody>
+          <a:bodyPr rtlCol="0" anchor="ctr"/>
+          <a:lstStyle/>
+          <a:p>
+            <a:pPr algn="ctr"/>
+            <a:r>
+              <a:rPr kumimoji="1" lang="en-US" altLang="ja-JP" dirty="0" err="1" smtClean="0">
+                <a:solidFill>
+                  <a:srgbClr val="000000"/>
+                </a:solidFill>
+              </a:rPr>
+              <a:t>TileLayer.Canvas</a:t>
+            </a:r>
+            <a:endParaRPr kumimoji="1" lang="ja-JP" altLang="en-US" dirty="0">
+              <a:solidFill>
+                <a:srgbClr val="000000"/>
+              </a:solidFill>
+            </a:endParaRPr>
+          </a:p>
+        </p:txBody>
+      </p:sp>
+      <p:sp>
+        <p:nvSpPr>
+          <p:cNvPr id="9" name="正方形/長方形 8"/>
+          <p:cNvSpPr/>
+          <p:nvPr/>
+        </p:nvSpPr>
+        <p:spPr>
+          <a:xfrm>
+            <a:off x="1187624" y="2708920"/>
+            <a:ext cx="2304256" cy="720080"/>
+          </a:xfrm>
+          <a:prstGeom prst="rect">
+            <a:avLst/>
+          </a:prstGeom>
+          <a:solidFill>
+            <a:schemeClr val="bg1"/>
+          </a:solidFill>
+          <a:ln>
+            <a:solidFill>
+              <a:schemeClr val="tx1"/>
+            </a:solidFill>
+          </a:ln>
+          <a:effectLst/>
+        </p:spPr>
+        <p:style>
+          <a:lnRef idx="1">
+            <a:schemeClr val="accent1"/>
+          </a:lnRef>
+          <a:fillRef idx="3">
+            <a:schemeClr val="accent1"/>
+          </a:fillRef>
+          <a:effectRef idx="2">
+            <a:schemeClr val="accent1"/>
+          </a:effectRef>
+          <a:fontRef idx="minor">
+            <a:schemeClr val="lt1"/>
+          </a:fontRef>
+        </p:style>
+        <p:txBody>
+          <a:bodyPr rtlCol="0" anchor="ctr"/>
+          <a:lstStyle/>
+          <a:p>
+            <a:pPr algn="ctr"/>
+            <a:r>
+              <a:rPr kumimoji="1" lang="en-US" altLang="ja-JP" dirty="0" err="1" smtClean="0">
+                <a:solidFill>
+                  <a:srgbClr val="000000"/>
+                </a:solidFill>
+              </a:rPr>
+              <a:t>TileLayer.GeoJSON</a:t>
+            </a:r>
+            <a:endParaRPr kumimoji="1" lang="ja-JP" altLang="en-US" dirty="0">
+              <a:solidFill>
+                <a:srgbClr val="000000"/>
+              </a:solidFill>
+            </a:endParaRPr>
+          </a:p>
+        </p:txBody>
+      </p:sp>
+      <p:sp>
+        <p:nvSpPr>
+          <p:cNvPr id="10" name="雲 9"/>
+          <p:cNvSpPr/>
+          <p:nvPr/>
+        </p:nvSpPr>
+        <p:spPr>
+          <a:xfrm>
+            <a:off x="4860032" y="836712"/>
+            <a:ext cx="3168352" cy="1728192"/>
+          </a:xfrm>
+          <a:prstGeom prst="cloud">
+            <a:avLst/>
+          </a:prstGeom>
+          <a:solidFill>
+            <a:schemeClr val="bg1"/>
+          </a:solidFill>
+          <a:ln>
+            <a:solidFill>
+              <a:schemeClr val="tx1"/>
+            </a:solidFill>
+          </a:ln>
+          <a:effectLst/>
+        </p:spPr>
+        <p:style>
+          <a:lnRef idx="1">
+            <a:schemeClr val="accent1"/>
+          </a:lnRef>
+          <a:fillRef idx="3">
+            <a:schemeClr val="accent1"/>
+          </a:fillRef>
+          <a:effectRef idx="2">
+            <a:schemeClr val="accent1"/>
+          </a:effectRef>
+          <a:fontRef idx="minor">
+            <a:schemeClr val="lt1"/>
+          </a:fontRef>
+        </p:style>
+        <p:txBody>
+          <a:bodyPr rtlCol="0" anchor="ctr"/>
+          <a:lstStyle/>
+          <a:p>
+            <a:pPr algn="ctr"/>
+            <a:r>
+              <a:rPr kumimoji="1" lang="ja-JP" altLang="en-US" dirty="0" smtClean="0">
+                <a:solidFill>
+                  <a:srgbClr val="000000"/>
+                </a:solidFill>
+              </a:rPr>
+              <a:t>道路中心線</a:t>
+            </a:r>
+            <a:endParaRPr kumimoji="1" lang="en-US" altLang="ja-JP" dirty="0" smtClean="0">
+              <a:solidFill>
+                <a:srgbClr val="000000"/>
+              </a:solidFill>
+            </a:endParaRPr>
+          </a:p>
+          <a:p>
+            <a:pPr algn="ctr"/>
+            <a:r>
+              <a:rPr lang="ja-JP" altLang="en-US" dirty="0" smtClean="0">
+                <a:solidFill>
+                  <a:srgbClr val="000000"/>
+                </a:solidFill>
+              </a:rPr>
+              <a:t>河川中心線</a:t>
+            </a:r>
+            <a:endParaRPr lang="en-US" altLang="ja-JP" dirty="0" smtClean="0">
+              <a:solidFill>
+                <a:srgbClr val="000000"/>
+              </a:solidFill>
+            </a:endParaRPr>
+          </a:p>
+          <a:p>
+            <a:pPr algn="ctr"/>
+            <a:r>
+              <a:rPr kumimoji="1" lang="ja-JP" altLang="en-US" dirty="0" smtClean="0">
+                <a:solidFill>
+                  <a:srgbClr val="000000"/>
+                </a:solidFill>
+              </a:rPr>
+              <a:t>鉄道中心線</a:t>
+            </a:r>
+            <a:endParaRPr kumimoji="1" lang="ja-JP" altLang="en-US" dirty="0">
+              <a:solidFill>
+                <a:srgbClr val="000000"/>
+              </a:solidFill>
+            </a:endParaRPr>
+          </a:p>
+        </p:txBody>
+      </p:sp>
+    </p:spTree>
+    <p:extLst>
+      <p:ext uri="{BB962C8B-B14F-4D97-AF65-F5344CB8AC3E}">
+        <p14:creationId xmlns:p14="http://schemas.microsoft.com/office/powerpoint/2010/main" val="825421666"/>
+      </p:ext>
+    </p:extLst>
+  </p:cSld>
+  <p:clrMapOvr>
+    <a:masterClrMapping/>
+  </p:clrMapOvr>
+</p:sld>
+</file>
+
+<file path=ppt/slides/slide7.xml><?xml version="1.0" encoding="utf-8"?>
+<p:sld xmlns:a="http://schemas.openxmlformats.org/drawingml/2006/main" xmlns:r="http://schemas.openxmlformats.org/officeDocument/2006/relationships" xmlns:p="http://schemas.openxmlformats.org/presentationml/2006/main">
+  <p:cSld>
+    <p:spTree>
+      <p:nvGrpSpPr>
+        <p:cNvPr id="1" name=""/>
+        <p:cNvGrpSpPr/>
+        <p:nvPr/>
+      </p:nvGrpSpPr>
+      <p:grpSpPr>
+        <a:xfrm>
+          <a:off x="0" y="0"/>
+          <a:ext cx="0" cy="0"/>
+          <a:chOff x="0" y="0"/>
+          <a:chExt cx="0" cy="0"/>
+        </a:xfrm>
+      </p:grpSpPr>
+      <p:sp>
+        <p:nvSpPr>
+          <p:cNvPr id="2" name="タイトル 1"/>
+          <p:cNvSpPr>
+            <a:spLocks noGrp="1"/>
+          </p:cNvSpPr>
+          <p:nvPr>
+            <p:ph type="title"/>
+          </p:nvPr>
+        </p:nvSpPr>
+        <p:spPr/>
+        <p:txBody>
+          <a:bodyPr/>
+          <a:lstStyle/>
+          <a:p>
+            <a:r>
+              <a:rPr kumimoji="1" lang="ja-JP" altLang="en-US" dirty="0" smtClean="0"/>
+              <a:t>早速フォーク</a:t>
+            </a:r>
+            <a:endParaRPr kumimoji="1" lang="ja-JP" altLang="en-US" dirty="0"/>
+          </a:p>
+        </p:txBody>
+      </p:sp>
+      <p:sp>
+        <p:nvSpPr>
+          <p:cNvPr id="3" name="コンテンツ プレースホルダー 2"/>
+          <p:cNvSpPr>
+            <a:spLocks noGrp="1"/>
+          </p:cNvSpPr>
+          <p:nvPr>
+            <p:ph idx="1"/>
+          </p:nvPr>
+        </p:nvSpPr>
+        <p:spPr>
+          <a:xfrm>
+            <a:off x="457200" y="836712"/>
+            <a:ext cx="8229600" cy="5289451"/>
+          </a:xfrm>
+        </p:spPr>
+        <p:txBody>
+          <a:bodyPr/>
+          <a:lstStyle/>
+          <a:p>
+            <a:pPr marL="0" indent="0">
+              <a:buNone/>
+            </a:pPr>
+            <a:r>
+              <a:rPr lang="en-US" altLang="ja-JP" sz="2400" dirty="0"/>
+              <a:t>https://</a:t>
+            </a:r>
+            <a:r>
+              <a:rPr lang="en-US" altLang="ja-JP" sz="2400" dirty="0" err="1"/>
+              <a:t>github.com</a:t>
+            </a:r>
+            <a:r>
+              <a:rPr lang="en-US" altLang="ja-JP" sz="2400" dirty="0"/>
+              <a:t>/</a:t>
+            </a:r>
+            <a:r>
+              <a:rPr lang="en-US" altLang="ja-JP" sz="2400" dirty="0" err="1"/>
+              <a:t>gsi-cyberjapan</a:t>
+            </a:r>
+            <a:r>
+              <a:rPr lang="en-US" altLang="ja-JP" sz="2400" dirty="0"/>
+              <a:t>/vector-tile-experiment/</a:t>
+            </a:r>
+            <a:endParaRPr kumimoji="1" lang="ja-JP" altLang="en-US" sz="2400" dirty="0"/>
+          </a:p>
+        </p:txBody>
+      </p:sp>
+      <p:sp>
+        <p:nvSpPr>
+          <p:cNvPr id="4" name="スライド番号プレースホルダー 3"/>
+          <p:cNvSpPr>
+            <a:spLocks noGrp="1"/>
+          </p:cNvSpPr>
+          <p:nvPr>
+            <p:ph type="sldNum" sz="quarter" idx="12"/>
+          </p:nvPr>
+        </p:nvSpPr>
+        <p:spPr/>
+        <p:txBody>
+          <a:bodyPr/>
+          <a:lstStyle/>
+          <a:p>
+            <a:pPr>
+              <a:defRPr/>
+            </a:pPr>
+            <a:fld id="{7BDE7F79-B788-EF47-92C0-E4468BC66B4F}" type="slidenum">
+              <a:rPr lang="en-US" altLang="ja-JP" smtClean="0"/>
+              <a:pPr>
+                <a:defRPr/>
+              </a:pPr>
+              <a:t>7</a:t>
+            </a:fld>
+            <a:endParaRPr lang="en-US" altLang="ja-JP"/>
+          </a:p>
+        </p:txBody>
+      </p:sp>
+      <p:pic>
+        <p:nvPicPr>
+          <p:cNvPr id="5" name="図 4"/>
+          <p:cNvPicPr>
+            <a:picLocks noChangeAspect="1"/>
+          </p:cNvPicPr>
+          <p:nvPr/>
+        </p:nvPicPr>
+        <p:blipFill>
+          <a:blip r:embed="rId2"/>
+          <a:stretch>
+            <a:fillRect/>
+          </a:stretch>
+        </p:blipFill>
+        <p:spPr>
+          <a:xfrm>
+            <a:off x="0" y="2798064"/>
+            <a:ext cx="9144000" cy="4059936"/>
+          </a:xfrm>
+          <a:prstGeom prst="rect">
+            <a:avLst/>
+          </a:prstGeom>
+        </p:spPr>
+      </p:pic>
+      <p:pic>
+        <p:nvPicPr>
+          <p:cNvPr id="6" name="図 5"/>
+          <p:cNvPicPr>
+            <a:picLocks noChangeAspect="1"/>
+          </p:cNvPicPr>
+          <p:nvPr/>
+        </p:nvPicPr>
+        <p:blipFill>
+          <a:blip r:embed="rId3"/>
+          <a:stretch>
+            <a:fillRect/>
+          </a:stretch>
+        </p:blipFill>
+        <p:spPr>
+          <a:xfrm>
+            <a:off x="6660232" y="1268760"/>
+            <a:ext cx="2088232" cy="1295233"/>
+          </a:xfrm>
+          <a:prstGeom prst="rect">
+            <a:avLst/>
+          </a:prstGeom>
+        </p:spPr>
+      </p:pic>
+      <p:sp>
+        <p:nvSpPr>
+          <p:cNvPr id="7" name="円/楕円 6"/>
+          <p:cNvSpPr/>
+          <p:nvPr/>
+        </p:nvSpPr>
+        <p:spPr>
+          <a:xfrm>
+            <a:off x="6948264" y="1340768"/>
+            <a:ext cx="1224136" cy="1152128"/>
+          </a:xfrm>
+          <a:prstGeom prst="ellipse">
+            <a:avLst/>
+          </a:prstGeom>
+          <a:noFill/>
+          <a:ln w="25400">
+            <a:solidFill>
+              <a:srgbClr val="FF0000"/>
+            </a:solidFill>
+          </a:ln>
+          <a:effectLst/>
+        </p:spPr>
+        <p:style>
+          <a:lnRef idx="1">
+            <a:schemeClr val="accent1"/>
+          </a:lnRef>
+          <a:fillRef idx="3">
+            <a:schemeClr val="accent1"/>
+          </a:fillRef>
+          <a:effectRef idx="2">
+            <a:schemeClr val="accent1"/>
+          </a:effectRef>
+          <a:fontRef idx="minor">
+            <a:schemeClr val="lt1"/>
+          </a:fontRef>
+        </p:style>
+        <p:txBody>
+          <a:bodyPr rtlCol="0" anchor="ctr"/>
+          <a:lstStyle/>
+          <a:p>
+            <a:pPr algn="ctr"/>
+            <a:endParaRPr kumimoji="1" lang="ja-JP" altLang="en-US"/>
+          </a:p>
+        </p:txBody>
+      </p:sp>
+    </p:spTree>
+    <p:extLst>
+      <p:ext uri="{BB962C8B-B14F-4D97-AF65-F5344CB8AC3E}">
+        <p14:creationId xmlns:p14="http://schemas.microsoft.com/office/powerpoint/2010/main" val="3725908037"/>
+      </p:ext>
+    </p:extLst>
+  </p:cSld>
+  <p:clrMapOvr>
+    <a:masterClrMapping/>
+  </p:clrMapOvr>
+</p:sld>
+</file>
+
+<file path=ppt/slides/slide8.xml><?xml version="1.0" encoding="utf-8"?>
+<p:sld xmlns:a="http://schemas.openxmlformats.org/drawingml/2006/main" xmlns:r="http://schemas.openxmlformats.org/officeDocument/2006/relationships" xmlns:p="http://schemas.openxmlformats.org/presentationml/2006/main">
+  <p:cSld>
+    <p:spTree>
+      <p:nvGrpSpPr>
+        <p:cNvPr id="1" name=""/>
+        <p:cNvGrpSpPr/>
+        <p:nvPr/>
+      </p:nvGrpSpPr>
+      <p:grpSpPr>
+        <a:xfrm>
+          <a:off x="0" y="0"/>
+          <a:ext cx="0" cy="0"/>
+          <a:chOff x="0" y="0"/>
+          <a:chExt cx="0" cy="0"/>
+        </a:xfrm>
+      </p:grpSpPr>
+      <p:sp>
+        <p:nvSpPr>
+          <p:cNvPr id="2" name="タイトル 1"/>
+          <p:cNvSpPr>
+            <a:spLocks noGrp="1"/>
+          </p:cNvSpPr>
+          <p:nvPr>
+            <p:ph type="title"/>
+          </p:nvPr>
+        </p:nvSpPr>
+        <p:spPr/>
+        <p:txBody>
+          <a:bodyPr/>
+          <a:lstStyle/>
+          <a:p>
+            <a:r>
+              <a:rPr kumimoji="1" lang="ja-JP" altLang="en-US" dirty="0" smtClean="0"/>
+              <a:t>動作確認</a:t>
+            </a:r>
+            <a:endParaRPr kumimoji="1" lang="ja-JP" altLang="en-US" dirty="0"/>
+          </a:p>
+        </p:txBody>
+      </p:sp>
+      <p:sp>
+        <p:nvSpPr>
+          <p:cNvPr id="3" name="コンテンツ プレースホルダー 2"/>
+          <p:cNvSpPr>
+            <a:spLocks noGrp="1"/>
+          </p:cNvSpPr>
+          <p:nvPr>
+            <p:ph idx="1"/>
+          </p:nvPr>
+        </p:nvSpPr>
+        <p:spPr>
+          <a:xfrm>
+            <a:off x="179512" y="548680"/>
+            <a:ext cx="8507288" cy="504056"/>
+          </a:xfrm>
+        </p:spPr>
+        <p:txBody>
+          <a:bodyPr/>
+          <a:lstStyle/>
+          <a:p>
+            <a:pPr marL="0" indent="0">
+              <a:buNone/>
+            </a:pPr>
+            <a:r>
+              <a:rPr lang="ja-JP" altLang="en-US" sz="2400" dirty="0" smtClean="0"/>
+              <a:t>早速（</a:t>
+            </a:r>
+            <a:r>
+              <a:rPr lang="en-US" altLang="ja-JP" sz="2400" dirty="0" smtClean="0"/>
+              <a:t>Website</a:t>
+            </a:r>
+            <a:r>
+              <a:rPr lang="ja-JP" altLang="en-US" sz="2400" dirty="0" smtClean="0"/>
+              <a:t>を設定して）動作確認！</a:t>
+            </a:r>
+            <a:endParaRPr lang="en-US" altLang="ja-JP" sz="2400" dirty="0" smtClean="0"/>
+          </a:p>
+          <a:p>
+            <a:pPr marL="0" indent="0">
+              <a:buNone/>
+            </a:pPr>
+            <a:endParaRPr kumimoji="1" lang="en-US" altLang="ja-JP" sz="2400" dirty="0"/>
+          </a:p>
+          <a:p>
+            <a:pPr marL="0" indent="0">
+              <a:buNone/>
+            </a:pPr>
+            <a:endParaRPr lang="en-US" altLang="ja-JP" sz="2400" dirty="0" smtClean="0"/>
+          </a:p>
+          <a:p>
+            <a:pPr marL="0" indent="0">
+              <a:buNone/>
+            </a:pPr>
+            <a:endParaRPr kumimoji="1" lang="en-US" altLang="ja-JP" sz="2400" dirty="0"/>
+          </a:p>
+          <a:p>
+            <a:pPr marL="0" indent="0">
+              <a:buNone/>
+            </a:pPr>
+            <a:endParaRPr lang="en-US" altLang="ja-JP" sz="2400" dirty="0" smtClean="0"/>
+          </a:p>
+          <a:p>
+            <a:pPr marL="0" indent="0">
+              <a:buNone/>
+            </a:pPr>
+            <a:endParaRPr kumimoji="1" lang="en-US" altLang="ja-JP" sz="2400" dirty="0"/>
+          </a:p>
+          <a:p>
+            <a:pPr marL="0" indent="0">
+              <a:buNone/>
+            </a:pPr>
+            <a:endParaRPr lang="en-US" altLang="ja-JP" sz="2400" dirty="0"/>
+          </a:p>
+          <a:p>
+            <a:pPr marL="0" indent="0">
+              <a:buNone/>
+            </a:pPr>
+            <a:r>
+              <a:rPr lang="en-US" altLang="ja-JP" sz="2400" dirty="0" smtClean="0"/>
+              <a:t>…</a:t>
+            </a:r>
+            <a:r>
+              <a:rPr lang="ja-JP" altLang="en-US" sz="2400" dirty="0" smtClean="0"/>
+              <a:t>するためには、何らかレポジトリのコンテンツを触る必要あり。</a:t>
+            </a:r>
+            <a:endParaRPr lang="en-US" altLang="ja-JP" sz="2400" dirty="0" smtClean="0"/>
+          </a:p>
+          <a:p>
+            <a:pPr marL="0" indent="0">
+              <a:buNone/>
+            </a:pPr>
+            <a:r>
+              <a:rPr lang="en-US" altLang="ja-JP" sz="2400" dirty="0" err="1" smtClean="0"/>
+              <a:t>canvas.html</a:t>
+            </a:r>
+            <a:r>
+              <a:rPr lang="en-US" altLang="ja-JP" sz="2400" dirty="0" smtClean="0"/>
+              <a:t> </a:t>
+            </a:r>
+            <a:r>
+              <a:rPr lang="ja-JP" altLang="en-US" sz="2400" dirty="0" smtClean="0"/>
+              <a:t>を適宜修正して、</a:t>
+            </a:r>
+            <a:r>
+              <a:rPr lang="en-US" altLang="ja-JP" sz="2400" dirty="0" smtClean="0"/>
+              <a:t>Website </a:t>
+            </a:r>
+            <a:r>
+              <a:rPr lang="ja-JP" altLang="en-US" sz="2400" dirty="0" smtClean="0"/>
+              <a:t>をチェック！</a:t>
+            </a:r>
+            <a:endParaRPr kumimoji="1" lang="ja-JP" altLang="en-US" sz="2400" dirty="0"/>
+          </a:p>
+        </p:txBody>
+      </p:sp>
+      <p:sp>
+        <p:nvSpPr>
+          <p:cNvPr id="4" name="スライド番号プレースホルダー 3"/>
+          <p:cNvSpPr>
+            <a:spLocks noGrp="1"/>
+          </p:cNvSpPr>
+          <p:nvPr>
+            <p:ph type="sldNum" sz="quarter" idx="12"/>
+          </p:nvPr>
+        </p:nvSpPr>
+        <p:spPr/>
+        <p:txBody>
+          <a:bodyPr/>
+          <a:lstStyle/>
+          <a:p>
+            <a:pPr>
+              <a:defRPr/>
+            </a:pPr>
+            <a:fld id="{7BDE7F79-B788-EF47-92C0-E4468BC66B4F}" type="slidenum">
+              <a:rPr lang="en-US" altLang="ja-JP" smtClean="0"/>
+              <a:pPr>
+                <a:defRPr/>
+              </a:pPr>
+              <a:t>8</a:t>
+            </a:fld>
+            <a:endParaRPr lang="en-US" altLang="ja-JP"/>
+          </a:p>
+        </p:txBody>
+      </p:sp>
+      <p:pic>
+        <p:nvPicPr>
+          <p:cNvPr id="6" name="図 5"/>
+          <p:cNvPicPr>
+            <a:picLocks noChangeAspect="1"/>
+          </p:cNvPicPr>
+          <p:nvPr/>
+        </p:nvPicPr>
+        <p:blipFill>
+          <a:blip r:embed="rId2"/>
+          <a:stretch>
+            <a:fillRect/>
+          </a:stretch>
+        </p:blipFill>
+        <p:spPr>
+          <a:xfrm>
+            <a:off x="0" y="1058698"/>
+            <a:ext cx="9144000" cy="2514318"/>
+          </a:xfrm>
+          <a:prstGeom prst="rect">
+            <a:avLst/>
+          </a:prstGeom>
+        </p:spPr>
+      </p:pic>
+      <p:pic>
+        <p:nvPicPr>
+          <p:cNvPr id="7" name="図 6"/>
+          <p:cNvPicPr>
+            <a:picLocks noChangeAspect="1"/>
+          </p:cNvPicPr>
+          <p:nvPr/>
+        </p:nvPicPr>
+        <p:blipFill>
+          <a:blip r:embed="rId3"/>
+          <a:stretch>
+            <a:fillRect/>
+          </a:stretch>
+        </p:blipFill>
+        <p:spPr>
+          <a:xfrm>
+            <a:off x="0" y="4709504"/>
+            <a:ext cx="9144000" cy="2148496"/>
+          </a:xfrm>
+          <a:prstGeom prst="rect">
+            <a:avLst/>
+          </a:prstGeom>
+        </p:spPr>
+      </p:pic>
+    </p:spTree>
+    <p:extLst>
+      <p:ext uri="{BB962C8B-B14F-4D97-AF65-F5344CB8AC3E}">
+        <p14:creationId xmlns:p14="http://schemas.microsoft.com/office/powerpoint/2010/main" val="2618073009"/>
+      </p:ext>
+    </p:extLst>
+  </p:cSld>
+  <p:clrMapOvr>
+    <a:masterClrMapping/>
+  </p:clrMapOvr>
 </p:sld>
 </file>
 

--- a/151009ベクトルタイル利用サイトを作ろうPt.5.pptx
+++ b/151009ベクトルタイル利用サイトを作ろうPt.5.pptx
@@ -6870,6 +6870,159 @@
           </a:p>
         </p:txBody>
       </p:sp>
+      <p:sp>
+        <p:nvSpPr>
+          <p:cNvPr id="11" name="雲 10"/>
+          <p:cNvSpPr/>
+          <p:nvPr/>
+        </p:nvSpPr>
+        <p:spPr>
+          <a:xfrm>
+            <a:off x="755576" y="836712"/>
+            <a:ext cx="3168352" cy="1440160"/>
+          </a:xfrm>
+          <a:prstGeom prst="cloud">
+            <a:avLst/>
+          </a:prstGeom>
+          <a:solidFill>
+            <a:schemeClr val="bg1"/>
+          </a:solidFill>
+          <a:ln>
+            <a:solidFill>
+              <a:schemeClr val="tx1"/>
+            </a:solidFill>
+          </a:ln>
+          <a:effectLst/>
+        </p:spPr>
+        <p:style>
+          <a:lnRef idx="1">
+            <a:schemeClr val="accent1"/>
+          </a:lnRef>
+          <a:fillRef idx="3">
+            <a:schemeClr val="accent1"/>
+          </a:fillRef>
+          <a:effectRef idx="2">
+            <a:schemeClr val="accent1"/>
+          </a:effectRef>
+          <a:fontRef idx="minor">
+            <a:schemeClr val="lt1"/>
+          </a:fontRef>
+        </p:style>
+        <p:txBody>
+          <a:bodyPr rtlCol="0" anchor="ctr"/>
+          <a:lstStyle/>
+          <a:p>
+            <a:pPr algn="ctr"/>
+            <a:r>
+              <a:rPr kumimoji="1" lang="ja-JP" altLang="en-US" dirty="0" smtClean="0">
+                <a:solidFill>
+                  <a:srgbClr val="000000"/>
+                </a:solidFill>
+              </a:rPr>
+              <a:t>注記</a:t>
+            </a:r>
+            <a:endParaRPr kumimoji="1" lang="ja-JP" altLang="en-US" dirty="0">
+              <a:solidFill>
+                <a:srgbClr val="000000"/>
+              </a:solidFill>
+            </a:endParaRPr>
+          </a:p>
+        </p:txBody>
+      </p:sp>
+      <p:sp>
+        <p:nvSpPr>
+          <p:cNvPr id="12" name="下矢印 11"/>
+          <p:cNvSpPr/>
+          <p:nvPr/>
+        </p:nvSpPr>
+        <p:spPr>
+          <a:xfrm>
+            <a:off x="1979712" y="2348880"/>
+            <a:ext cx="792088" cy="3816424"/>
+          </a:xfrm>
+          <a:prstGeom prst="downArrow">
+            <a:avLst/>
+          </a:prstGeom>
+          <a:solidFill>
+            <a:srgbClr val="FFFF00">
+              <a:alpha val="40000"/>
+            </a:srgbClr>
+          </a:solidFill>
+          <a:ln>
+            <a:noFill/>
+          </a:ln>
+          <a:effectLst/>
+        </p:spPr>
+        <p:style>
+          <a:lnRef idx="1">
+            <a:schemeClr val="accent1"/>
+          </a:lnRef>
+          <a:fillRef idx="3">
+            <a:schemeClr val="accent1"/>
+          </a:fillRef>
+          <a:effectRef idx="2">
+            <a:schemeClr val="accent1"/>
+          </a:effectRef>
+          <a:fontRef idx="minor">
+            <a:schemeClr val="lt1"/>
+          </a:fontRef>
+        </p:style>
+        <p:txBody>
+          <a:bodyPr rtlCol="0" anchor="ctr"/>
+          <a:lstStyle/>
+          <a:p>
+            <a:pPr algn="ctr"/>
+            <a:endParaRPr kumimoji="1" lang="ja-JP" altLang="en-US"/>
+          </a:p>
+        </p:txBody>
+      </p:sp>
+      <p:sp>
+        <p:nvSpPr>
+          <p:cNvPr id="13" name="下矢印 12"/>
+          <p:cNvSpPr/>
+          <p:nvPr/>
+        </p:nvSpPr>
+        <p:spPr>
+          <a:xfrm>
+            <a:off x="6156176" y="2348880"/>
+            <a:ext cx="792088" cy="3816424"/>
+          </a:xfrm>
+          <a:prstGeom prst="downArrow">
+            <a:avLst/>
+          </a:prstGeom>
+          <a:solidFill>
+            <a:srgbClr val="FFFF00">
+              <a:alpha val="40000"/>
+            </a:srgbClr>
+          </a:solidFill>
+          <a:ln>
+            <a:noFill/>
+          </a:ln>
+          <a:effectLst/>
+        </p:spPr>
+        <p:style>
+          <a:lnRef idx="1">
+            <a:schemeClr val="accent1"/>
+          </a:lnRef>
+          <a:fillRef idx="3">
+            <a:schemeClr val="accent1"/>
+          </a:fillRef>
+          <a:effectRef idx="2">
+            <a:schemeClr val="accent1"/>
+          </a:effectRef>
+          <a:fontRef idx="minor">
+            <a:schemeClr val="lt1"/>
+          </a:fontRef>
+        </p:style>
+        <p:txBody>
+          <a:bodyPr rtlCol="0" anchor="ctr"/>
+          <a:lstStyle/>
+          <a:p>
+            <a:pPr algn="ctr"/>
+            <a:endParaRPr kumimoji="1" lang="ja-JP" altLang="en-US"/>
+          </a:p>
+        </p:txBody>
+      </p:sp>
     </p:spTree>
     <p:extLst>
       <p:ext uri="{BB962C8B-B14F-4D97-AF65-F5344CB8AC3E}">
@@ -7228,7 +7381,19 @@
             </a:r>
             <a:r>
               <a:rPr lang="ja-JP" altLang="en-US" sz="2400" dirty="0" smtClean="0"/>
-              <a:t>するためには、何らかレポジトリのコンテンツを触る必要あり。</a:t>
+              <a:t>するためには、</a:t>
+            </a:r>
+            <a:r>
+              <a:rPr lang="ja-JP" altLang="en-US" sz="2400" dirty="0" smtClean="0">
+                <a:solidFill>
+                  <a:srgbClr val="FF0000"/>
+                </a:solidFill>
+              </a:rPr>
+              <a:t>何らかレポジトリのコンテンツを触る</a:t>
+            </a:r>
+            <a:r>
+              <a:rPr lang="ja-JP" altLang="en-US" sz="2400" dirty="0" smtClean="0"/>
+              <a:t>必要あり。</a:t>
             </a:r>
             <a:endParaRPr lang="en-US" altLang="ja-JP" sz="2400" dirty="0" smtClean="0"/>
           </a:p>
